--- a/MLX V1/PowerPoint/MLX-V1.pptx
+++ b/MLX V1/PowerPoint/MLX-V1.pptx
@@ -9,6 +9,10 @@
     <p:sldId id="257" r:id="rId3"/>
     <p:sldId id="258" r:id="rId4"/>
     <p:sldId id="259" r:id="rId5"/>
+    <p:sldId id="260" r:id="rId6"/>
+    <p:sldId id="261" r:id="rId7"/>
+    <p:sldId id="262" r:id="rId8"/>
+    <p:sldId id="263" r:id="rId9"/>
   </p:sldIdLst>
   <p:sldSz cx="12192000" cy="6858000"/>
   <p:notesSz cx="6858000" cy="9144000"/>
@@ -107,6 +111,11 @@
       </a:defRPr>
     </a:lvl9pPr>
   </p:defaultTextStyle>
+  <p:extLst>
+    <p:ext uri="{EFAFB233-063F-42B5-8137-9DF3F51BA10A}">
+      <p15:sldGuideLst xmlns:p15="http://schemas.microsoft.com/office/powerpoint/2012/main"/>
+    </p:ext>
+  </p:extLst>
 </p:presentation>
 </file>
 
@@ -167,7 +176,7 @@
           <a:noFill/>
           <a:extLst>
             <a:ext uri="{909E8E84-426E-40dd-AFC4-6F175D3DCCD1}">
-              <a14:hiddenFill xmlns:a14="http://schemas.microsoft.com/office/drawing/2010/main" xmlns="">
+              <a14:hiddenFill xmlns="" xmlns:a14="http://schemas.microsoft.com/office/drawing/2010/main">
                 <a:solidFill>
                   <a:srgbClr val="FFFFFF"/>
                 </a:solidFill>
@@ -226,7 +235,7 @@
             </a:ln>
             <a:extLst>
               <a:ext uri="{91240B29-F687-4f45-9708-019B960494DF}">
-                <a14:hiddenLine xmlns:a14="http://schemas.microsoft.com/office/drawing/2010/main" xmlns="" w="9525">
+                <a14:hiddenLine xmlns="" xmlns:a14="http://schemas.microsoft.com/office/drawing/2010/main" w="9525">
                   <a:solidFill>
                     <a:srgbClr val="000000"/>
                   </a:solidFill>
@@ -316,7 +325,7 @@
             </a:ln>
             <a:extLst>
               <a:ext uri="{91240B29-F687-4f45-9708-019B960494DF}">
-                <a14:hiddenLine xmlns:a14="http://schemas.microsoft.com/office/drawing/2010/main" xmlns="" w="9525">
+                <a14:hiddenLine xmlns="" xmlns:a14="http://schemas.microsoft.com/office/drawing/2010/main" w="9525">
                   <a:solidFill>
                     <a:srgbClr val="000000"/>
                   </a:solidFill>
@@ -406,7 +415,7 @@
             </a:ln>
             <a:extLst>
               <a:ext uri="{91240B29-F687-4f45-9708-019B960494DF}">
-                <a14:hiddenLine xmlns:a14="http://schemas.microsoft.com/office/drawing/2010/main" xmlns="" w="9525">
+                <a14:hiddenLine xmlns="" xmlns:a14="http://schemas.microsoft.com/office/drawing/2010/main" w="9525">
                   <a:solidFill>
                     <a:srgbClr val="000000"/>
                   </a:solidFill>
@@ -440,7 +449,7 @@
             </a:ln>
             <a:extLst>
               <a:ext uri="{91240B29-F687-4f45-9708-019B960494DF}">
-                <a14:hiddenLine xmlns:a14="http://schemas.microsoft.com/office/drawing/2010/main" xmlns="" w="9525">
+                <a14:hiddenLine xmlns="" xmlns:a14="http://schemas.microsoft.com/office/drawing/2010/main" w="9525">
                   <a:solidFill>
                     <a:srgbClr val="000000"/>
                   </a:solidFill>
@@ -530,7 +539,7 @@
             </a:ln>
             <a:extLst>
               <a:ext uri="{91240B29-F687-4f45-9708-019B960494DF}">
-                <a14:hiddenLine xmlns:a14="http://schemas.microsoft.com/office/drawing/2010/main" xmlns="" w="9525">
+                <a14:hiddenLine xmlns="" xmlns:a14="http://schemas.microsoft.com/office/drawing/2010/main" w="9525">
                   <a:solidFill>
                     <a:srgbClr val="000000"/>
                   </a:solidFill>
@@ -592,7 +601,7 @@
             </a:ln>
             <a:extLst>
               <a:ext uri="{91240B29-F687-4f45-9708-019B960494DF}">
-                <a14:hiddenLine xmlns:a14="http://schemas.microsoft.com/office/drawing/2010/main" xmlns="" w="9525">
+                <a14:hiddenLine xmlns="" xmlns:a14="http://schemas.microsoft.com/office/drawing/2010/main" w="9525">
                   <a:solidFill>
                     <a:srgbClr val="000000"/>
                   </a:solidFill>
@@ -654,7 +663,7 @@
             </a:ln>
             <a:extLst>
               <a:ext uri="{91240B29-F687-4f45-9708-019B960494DF}">
-                <a14:hiddenLine xmlns:a14="http://schemas.microsoft.com/office/drawing/2010/main" xmlns="" w="9525">
+                <a14:hiddenLine xmlns="" xmlns:a14="http://schemas.microsoft.com/office/drawing/2010/main" w="9525">
                   <a:solidFill>
                     <a:srgbClr val="000000"/>
                   </a:solidFill>
@@ -744,7 +753,7 @@
             </a:ln>
             <a:extLst>
               <a:ext uri="{91240B29-F687-4f45-9708-019B960494DF}">
-                <a14:hiddenLine xmlns:a14="http://schemas.microsoft.com/office/drawing/2010/main" xmlns="" w="9525">
+                <a14:hiddenLine xmlns="" xmlns:a14="http://schemas.microsoft.com/office/drawing/2010/main" w="9525">
                   <a:solidFill>
                     <a:srgbClr val="000000"/>
                   </a:solidFill>
@@ -806,7 +815,7 @@
             </a:ln>
             <a:extLst>
               <a:ext uri="{91240B29-F687-4f45-9708-019B960494DF}">
-                <a14:hiddenLine xmlns:a14="http://schemas.microsoft.com/office/drawing/2010/main" xmlns="" w="9525">
+                <a14:hiddenLine xmlns="" xmlns:a14="http://schemas.microsoft.com/office/drawing/2010/main" w="9525">
                   <a:solidFill>
                     <a:srgbClr val="000000"/>
                   </a:solidFill>
@@ -868,7 +877,7 @@
             </a:ln>
             <a:extLst>
               <a:ext uri="{91240B29-F687-4f45-9708-019B960494DF}">
-                <a14:hiddenLine xmlns:a14="http://schemas.microsoft.com/office/drawing/2010/main" xmlns="" w="9525">
+                <a14:hiddenLine xmlns="" xmlns:a14="http://schemas.microsoft.com/office/drawing/2010/main" w="9525">
                   <a:solidFill>
                     <a:srgbClr val="000000"/>
                   </a:solidFill>
@@ -958,7 +967,7 @@
             </a:ln>
             <a:extLst>
               <a:ext uri="{91240B29-F687-4f45-9708-019B960494DF}">
-                <a14:hiddenLine xmlns:a14="http://schemas.microsoft.com/office/drawing/2010/main" xmlns="" w="9525">
+                <a14:hiddenLine xmlns="" xmlns:a14="http://schemas.microsoft.com/office/drawing/2010/main" w="9525">
                   <a:solidFill>
                     <a:srgbClr val="000000"/>
                   </a:solidFill>
@@ -1048,7 +1057,7 @@
             </a:ln>
             <a:extLst>
               <a:ext uri="{91240B29-F687-4f45-9708-019B960494DF}">
-                <a14:hiddenLine xmlns:a14="http://schemas.microsoft.com/office/drawing/2010/main" xmlns="" w="9525">
+                <a14:hiddenLine xmlns="" xmlns:a14="http://schemas.microsoft.com/office/drawing/2010/main" w="9525">
                   <a:solidFill>
                     <a:srgbClr val="000000"/>
                   </a:solidFill>
@@ -1110,7 +1119,7 @@
             </a:ln>
             <a:extLst>
               <a:ext uri="{91240B29-F687-4f45-9708-019B960494DF}">
-                <a14:hiddenLine xmlns:a14="http://schemas.microsoft.com/office/drawing/2010/main" xmlns="" w="9525">
+                <a14:hiddenLine xmlns="" xmlns:a14="http://schemas.microsoft.com/office/drawing/2010/main" w="9525">
                   <a:solidFill>
                     <a:srgbClr val="000000"/>
                   </a:solidFill>
@@ -1220,7 +1229,7 @@
             </a:ln>
             <a:extLst>
               <a:ext uri="{91240B29-F687-4f45-9708-019B960494DF}">
-                <a14:hiddenLine xmlns:a14="http://schemas.microsoft.com/office/drawing/2010/main" xmlns="" w="9525">
+                <a14:hiddenLine xmlns="" xmlns:a14="http://schemas.microsoft.com/office/drawing/2010/main" w="9525">
                   <a:solidFill>
                     <a:srgbClr val="000000"/>
                   </a:solidFill>
@@ -1282,7 +1291,7 @@
             </a:ln>
             <a:extLst>
               <a:ext uri="{91240B29-F687-4f45-9708-019B960494DF}">
-                <a14:hiddenLine xmlns:a14="http://schemas.microsoft.com/office/drawing/2010/main" xmlns="" w="9525">
+                <a14:hiddenLine xmlns="" xmlns:a14="http://schemas.microsoft.com/office/drawing/2010/main" w="9525">
                   <a:solidFill>
                     <a:srgbClr val="000000"/>
                   </a:solidFill>
@@ -1372,7 +1381,7 @@
             </a:ln>
             <a:extLst>
               <a:ext uri="{91240B29-F687-4f45-9708-019B960494DF}">
-                <a14:hiddenLine xmlns:a14="http://schemas.microsoft.com/office/drawing/2010/main" xmlns="" w="9525">
+                <a14:hiddenLine xmlns="" xmlns:a14="http://schemas.microsoft.com/office/drawing/2010/main" w="9525">
                   <a:solidFill>
                     <a:srgbClr val="000000"/>
                   </a:solidFill>
@@ -1462,7 +1471,7 @@
             </a:ln>
             <a:extLst>
               <a:ext uri="{91240B29-F687-4f45-9708-019B960494DF}">
-                <a14:hiddenLine xmlns:a14="http://schemas.microsoft.com/office/drawing/2010/main" xmlns="" w="9525">
+                <a14:hiddenLine xmlns="" xmlns:a14="http://schemas.microsoft.com/office/drawing/2010/main" w="9525">
                   <a:solidFill>
                     <a:srgbClr val="000000"/>
                   </a:solidFill>
@@ -1524,7 +1533,7 @@
             </a:ln>
             <a:extLst>
               <a:ext uri="{91240B29-F687-4f45-9708-019B960494DF}">
-                <a14:hiddenLine xmlns:a14="http://schemas.microsoft.com/office/drawing/2010/main" xmlns="" w="9525">
+                <a14:hiddenLine xmlns="" xmlns:a14="http://schemas.microsoft.com/office/drawing/2010/main" w="9525">
                   <a:solidFill>
                     <a:srgbClr val="000000"/>
                   </a:solidFill>
@@ -1614,7 +1623,7 @@
             </a:ln>
             <a:extLst>
               <a:ext uri="{91240B29-F687-4f45-9708-019B960494DF}">
-                <a14:hiddenLine xmlns:a14="http://schemas.microsoft.com/office/drawing/2010/main" xmlns="" w="9525">
+                <a14:hiddenLine xmlns="" xmlns:a14="http://schemas.microsoft.com/office/drawing/2010/main" w="9525">
                   <a:solidFill>
                     <a:srgbClr val="000000"/>
                   </a:solidFill>
@@ -1704,7 +1713,7 @@
             </a:ln>
             <a:extLst>
               <a:ext uri="{91240B29-F687-4f45-9708-019B960494DF}">
-                <a14:hiddenLine xmlns:a14="http://schemas.microsoft.com/office/drawing/2010/main" xmlns="" w="9525">
+                <a14:hiddenLine xmlns="" xmlns:a14="http://schemas.microsoft.com/office/drawing/2010/main" w="9525">
                   <a:solidFill>
                     <a:srgbClr val="000000"/>
                   </a:solidFill>
@@ -1760,7 +1769,7 @@
             </a:ln>
             <a:extLst>
               <a:ext uri="{91240B29-F687-4f45-9708-019B960494DF}">
-                <a14:hiddenLine xmlns:a14="http://schemas.microsoft.com/office/drawing/2010/main" xmlns="" w="9525">
+                <a14:hiddenLine xmlns="" xmlns:a14="http://schemas.microsoft.com/office/drawing/2010/main" w="9525">
                   <a:solidFill>
                     <a:srgbClr val="000000"/>
                   </a:solidFill>
@@ -1850,7 +1859,7 @@
             </a:ln>
             <a:extLst>
               <a:ext uri="{91240B29-F687-4f45-9708-019B960494DF}">
-                <a14:hiddenLine xmlns:a14="http://schemas.microsoft.com/office/drawing/2010/main" xmlns="" w="9525">
+                <a14:hiddenLine xmlns="" xmlns:a14="http://schemas.microsoft.com/office/drawing/2010/main" w="9525">
                   <a:solidFill>
                     <a:srgbClr val="000000"/>
                   </a:solidFill>
@@ -1906,7 +1915,7 @@
             </a:ln>
             <a:extLst>
               <a:ext uri="{91240B29-F687-4f45-9708-019B960494DF}">
-                <a14:hiddenLine xmlns:a14="http://schemas.microsoft.com/office/drawing/2010/main" xmlns="" w="9525">
+                <a14:hiddenLine xmlns="" xmlns:a14="http://schemas.microsoft.com/office/drawing/2010/main" w="9525">
                   <a:solidFill>
                     <a:srgbClr val="000000"/>
                   </a:solidFill>
@@ -1996,7 +2005,7 @@
             </a:ln>
             <a:extLst>
               <a:ext uri="{91240B29-F687-4f45-9708-019B960494DF}">
-                <a14:hiddenLine xmlns:a14="http://schemas.microsoft.com/office/drawing/2010/main" xmlns="" w="9525">
+                <a14:hiddenLine xmlns="" xmlns:a14="http://schemas.microsoft.com/office/drawing/2010/main" w="9525">
                   <a:solidFill>
                     <a:srgbClr val="000000"/>
                   </a:solidFill>
@@ -2064,7 +2073,7 @@
             </a:ln>
             <a:extLst>
               <a:ext uri="{91240B29-F687-4f45-9708-019B960494DF}">
-                <a14:hiddenLine xmlns:a14="http://schemas.microsoft.com/office/drawing/2010/main" xmlns="" w="9525">
+                <a14:hiddenLine xmlns="" xmlns:a14="http://schemas.microsoft.com/office/drawing/2010/main" w="9525">
                   <a:solidFill>
                     <a:srgbClr val="000000"/>
                   </a:solidFill>
@@ -2154,7 +2163,7 @@
             </a:ln>
             <a:extLst>
               <a:ext uri="{91240B29-F687-4f45-9708-019B960494DF}">
-                <a14:hiddenLine xmlns:a14="http://schemas.microsoft.com/office/drawing/2010/main" xmlns="" w="9525">
+                <a14:hiddenLine xmlns="" xmlns:a14="http://schemas.microsoft.com/office/drawing/2010/main" w="9525">
                   <a:solidFill>
                     <a:srgbClr val="000000"/>
                   </a:solidFill>
@@ -2222,7 +2231,7 @@
             </a:ln>
             <a:extLst>
               <a:ext uri="{91240B29-F687-4f45-9708-019B960494DF}">
-                <a14:hiddenLine xmlns:a14="http://schemas.microsoft.com/office/drawing/2010/main" xmlns="" w="9525">
+                <a14:hiddenLine xmlns="" xmlns:a14="http://schemas.microsoft.com/office/drawing/2010/main" w="9525">
                   <a:solidFill>
                     <a:srgbClr val="000000"/>
                   </a:solidFill>
@@ -2312,7 +2321,7 @@
             </a:ln>
             <a:extLst>
               <a:ext uri="{91240B29-F687-4f45-9708-019B960494DF}">
-                <a14:hiddenLine xmlns:a14="http://schemas.microsoft.com/office/drawing/2010/main" xmlns="" w="9525">
+                <a14:hiddenLine xmlns="" xmlns:a14="http://schemas.microsoft.com/office/drawing/2010/main" w="9525">
                   <a:solidFill>
                     <a:srgbClr val="000000"/>
                   </a:solidFill>
@@ -2346,7 +2355,7 @@
             </a:ln>
             <a:extLst>
               <a:ext uri="{91240B29-F687-4f45-9708-019B960494DF}">
-                <a14:hiddenLine xmlns:a14="http://schemas.microsoft.com/office/drawing/2010/main" xmlns="" w="9525">
+                <a14:hiddenLine xmlns="" xmlns:a14="http://schemas.microsoft.com/office/drawing/2010/main" w="9525">
                   <a:solidFill>
                     <a:srgbClr val="000000"/>
                   </a:solidFill>
@@ -2436,7 +2445,7 @@
             </a:ln>
             <a:extLst>
               <a:ext uri="{91240B29-F687-4f45-9708-019B960494DF}">
-                <a14:hiddenLine xmlns:a14="http://schemas.microsoft.com/office/drawing/2010/main" xmlns="" w="9525">
+                <a14:hiddenLine xmlns="" xmlns:a14="http://schemas.microsoft.com/office/drawing/2010/main" w="9525">
                   <a:solidFill>
                     <a:srgbClr val="000000"/>
                   </a:solidFill>
@@ -2498,7 +2507,7 @@
             </a:ln>
             <a:extLst>
               <a:ext uri="{91240B29-F687-4f45-9708-019B960494DF}">
-                <a14:hiddenLine xmlns:a14="http://schemas.microsoft.com/office/drawing/2010/main" xmlns="" w="9525">
+                <a14:hiddenLine xmlns="" xmlns:a14="http://schemas.microsoft.com/office/drawing/2010/main" w="9525">
                   <a:solidFill>
                     <a:srgbClr val="000000"/>
                   </a:solidFill>
@@ -2560,7 +2569,7 @@
             </a:ln>
             <a:extLst>
               <a:ext uri="{91240B29-F687-4f45-9708-019B960494DF}">
-                <a14:hiddenLine xmlns:a14="http://schemas.microsoft.com/office/drawing/2010/main" xmlns="" w="9525">
+                <a14:hiddenLine xmlns="" xmlns:a14="http://schemas.microsoft.com/office/drawing/2010/main" w="9525">
                   <a:solidFill>
                     <a:srgbClr val="000000"/>
                   </a:solidFill>
@@ -2650,7 +2659,7 @@
             </a:ln>
             <a:extLst>
               <a:ext uri="{91240B29-F687-4f45-9708-019B960494DF}">
-                <a14:hiddenLine xmlns:a14="http://schemas.microsoft.com/office/drawing/2010/main" xmlns="" w="9525">
+                <a14:hiddenLine xmlns="" xmlns:a14="http://schemas.microsoft.com/office/drawing/2010/main" w="9525">
                   <a:solidFill>
                     <a:srgbClr val="000000"/>
                   </a:solidFill>
@@ -2718,7 +2727,7 @@
             </a:ln>
             <a:extLst>
               <a:ext uri="{91240B29-F687-4f45-9708-019B960494DF}">
-                <a14:hiddenLine xmlns:a14="http://schemas.microsoft.com/office/drawing/2010/main" xmlns="" w="9525">
+                <a14:hiddenLine xmlns="" xmlns:a14="http://schemas.microsoft.com/office/drawing/2010/main" w="9525">
                   <a:solidFill>
                     <a:srgbClr val="000000"/>
                   </a:solidFill>
@@ -2780,7 +2789,7 @@
             </a:ln>
             <a:extLst>
               <a:ext uri="{91240B29-F687-4f45-9708-019B960494DF}">
-                <a14:hiddenLine xmlns:a14="http://schemas.microsoft.com/office/drawing/2010/main" xmlns="" w="9525">
+                <a14:hiddenLine xmlns="" xmlns:a14="http://schemas.microsoft.com/office/drawing/2010/main" w="9525">
                   <a:solidFill>
                     <a:srgbClr val="000000"/>
                   </a:solidFill>
@@ -2870,7 +2879,7 @@
             </a:ln>
             <a:extLst>
               <a:ext uri="{91240B29-F687-4f45-9708-019B960494DF}">
-                <a14:hiddenLine xmlns:a14="http://schemas.microsoft.com/office/drawing/2010/main" xmlns="" w="9525">
+                <a14:hiddenLine xmlns="" xmlns:a14="http://schemas.microsoft.com/office/drawing/2010/main" w="9525">
                   <a:solidFill>
                     <a:srgbClr val="000000"/>
                   </a:solidFill>
@@ -2932,7 +2941,7 @@
             </a:ln>
             <a:extLst>
               <a:ext uri="{91240B29-F687-4f45-9708-019B960494DF}">
-                <a14:hiddenLine xmlns:a14="http://schemas.microsoft.com/office/drawing/2010/main" xmlns="" w="9525">
+                <a14:hiddenLine xmlns="" xmlns:a14="http://schemas.microsoft.com/office/drawing/2010/main" w="9525">
                   <a:solidFill>
                     <a:srgbClr val="000000"/>
                   </a:solidFill>
@@ -3022,7 +3031,7 @@
             </a:ln>
             <a:extLst>
               <a:ext uri="{91240B29-F687-4f45-9708-019B960494DF}">
-                <a14:hiddenLine xmlns:a14="http://schemas.microsoft.com/office/drawing/2010/main" xmlns="" w="9525">
+                <a14:hiddenLine xmlns="" xmlns:a14="http://schemas.microsoft.com/office/drawing/2010/main" w="9525">
                   <a:solidFill>
                     <a:srgbClr val="000000"/>
                   </a:solidFill>
@@ -3084,7 +3093,7 @@
             </a:ln>
             <a:extLst>
               <a:ext uri="{91240B29-F687-4f45-9708-019B960494DF}">
-                <a14:hiddenLine xmlns:a14="http://schemas.microsoft.com/office/drawing/2010/main" xmlns="" w="9525">
+                <a14:hiddenLine xmlns="" xmlns:a14="http://schemas.microsoft.com/office/drawing/2010/main" w="9525">
                   <a:solidFill>
                     <a:srgbClr val="000000"/>
                   </a:solidFill>
@@ -3174,7 +3183,7 @@
             </a:ln>
             <a:extLst>
               <a:ext uri="{91240B29-F687-4f45-9708-019B960494DF}">
-                <a14:hiddenLine xmlns:a14="http://schemas.microsoft.com/office/drawing/2010/main" xmlns="" w="9525">
+                <a14:hiddenLine xmlns="" xmlns:a14="http://schemas.microsoft.com/office/drawing/2010/main" w="9525">
                   <a:solidFill>
                     <a:srgbClr val="000000"/>
                   </a:solidFill>
@@ -3208,7 +3217,7 @@
             </a:ln>
             <a:extLst>
               <a:ext uri="{91240B29-F687-4f45-9708-019B960494DF}">
-                <a14:hiddenLine xmlns:a14="http://schemas.microsoft.com/office/drawing/2010/main" xmlns="" w="9525">
+                <a14:hiddenLine xmlns="" xmlns:a14="http://schemas.microsoft.com/office/drawing/2010/main" w="9525">
                   <a:solidFill>
                     <a:srgbClr val="000000"/>
                   </a:solidFill>
@@ -3273,7 +3282,7 @@
             </a:ln>
             <a:extLst>
               <a:ext uri="{91240B29-F687-4f45-9708-019B960494DF}">
-                <a14:hiddenLine xmlns:a14="http://schemas.microsoft.com/office/drawing/2010/main" xmlns="" w="9525">
+                <a14:hiddenLine xmlns="" xmlns:a14="http://schemas.microsoft.com/office/drawing/2010/main" w="9525">
                   <a:solidFill>
                     <a:srgbClr val="000000"/>
                   </a:solidFill>
@@ -3363,7 +3372,7 @@
             </a:ln>
             <a:extLst>
               <a:ext uri="{91240B29-F687-4f45-9708-019B960494DF}">
-                <a14:hiddenLine xmlns:a14="http://schemas.microsoft.com/office/drawing/2010/main" xmlns="" w="9525">
+                <a14:hiddenLine xmlns="" xmlns:a14="http://schemas.microsoft.com/office/drawing/2010/main" w="9525">
                   <a:solidFill>
                     <a:srgbClr val="000000"/>
                   </a:solidFill>
@@ -3425,7 +3434,7 @@
             </a:ln>
             <a:extLst>
               <a:ext uri="{91240B29-F687-4f45-9708-019B960494DF}">
-                <a14:hiddenLine xmlns:a14="http://schemas.microsoft.com/office/drawing/2010/main" xmlns="" w="9525">
+                <a14:hiddenLine xmlns="" xmlns:a14="http://schemas.microsoft.com/office/drawing/2010/main" w="9525">
                   <a:solidFill>
                     <a:srgbClr val="000000"/>
                   </a:solidFill>
@@ -3515,7 +3524,7 @@
             </a:ln>
             <a:extLst>
               <a:ext uri="{91240B29-F687-4f45-9708-019B960494DF}">
-                <a14:hiddenLine xmlns:a14="http://schemas.microsoft.com/office/drawing/2010/main" xmlns="" w="9525">
+                <a14:hiddenLine xmlns="" xmlns:a14="http://schemas.microsoft.com/office/drawing/2010/main" w="9525">
                   <a:solidFill>
                     <a:srgbClr val="000000"/>
                   </a:solidFill>
@@ -3605,7 +3614,7 @@
             </a:ln>
             <a:extLst>
               <a:ext uri="{91240B29-F687-4f45-9708-019B960494DF}">
-                <a14:hiddenLine xmlns:a14="http://schemas.microsoft.com/office/drawing/2010/main" xmlns="" w="9525">
+                <a14:hiddenLine xmlns="" xmlns:a14="http://schemas.microsoft.com/office/drawing/2010/main" w="9525">
                   <a:solidFill>
                     <a:srgbClr val="000000"/>
                   </a:solidFill>
@@ -3670,7 +3679,7 @@
             </a:ln>
             <a:extLst>
               <a:ext uri="{91240B29-F687-4f45-9708-019B960494DF}">
-                <a14:hiddenLine xmlns:a14="http://schemas.microsoft.com/office/drawing/2010/main" xmlns="" w="9525">
+                <a14:hiddenLine xmlns="" xmlns:a14="http://schemas.microsoft.com/office/drawing/2010/main" w="9525">
                   <a:solidFill>
                     <a:srgbClr val="000000"/>
                   </a:solidFill>
@@ -3732,7 +3741,7 @@
             </a:ln>
             <a:extLst>
               <a:ext uri="{91240B29-F687-4f45-9708-019B960494DF}">
-                <a14:hiddenLine xmlns:a14="http://schemas.microsoft.com/office/drawing/2010/main" xmlns="" w="9525">
+                <a14:hiddenLine xmlns="" xmlns:a14="http://schemas.microsoft.com/office/drawing/2010/main" w="9525">
                   <a:solidFill>
                     <a:srgbClr val="000000"/>
                   </a:solidFill>
@@ -3822,7 +3831,7 @@
             </a:ln>
             <a:extLst>
               <a:ext uri="{91240B29-F687-4f45-9708-019B960494DF}">
-                <a14:hiddenLine xmlns:a14="http://schemas.microsoft.com/office/drawing/2010/main" xmlns="" w="9525">
+                <a14:hiddenLine xmlns="" xmlns:a14="http://schemas.microsoft.com/office/drawing/2010/main" w="9525">
                   <a:solidFill>
                     <a:srgbClr val="000000"/>
                   </a:solidFill>
@@ -3912,7 +3921,7 @@
             </a:ln>
             <a:extLst>
               <a:ext uri="{91240B29-F687-4f45-9708-019B960494DF}">
-                <a14:hiddenLine xmlns:a14="http://schemas.microsoft.com/office/drawing/2010/main" xmlns="" w="9525">
+                <a14:hiddenLine xmlns="" xmlns:a14="http://schemas.microsoft.com/office/drawing/2010/main" w="9525">
                   <a:solidFill>
                     <a:srgbClr val="000000"/>
                   </a:solidFill>
@@ -3974,7 +3983,7 @@
             </a:ln>
             <a:extLst>
               <a:ext uri="{91240B29-F687-4f45-9708-019B960494DF}">
-                <a14:hiddenLine xmlns:a14="http://schemas.microsoft.com/office/drawing/2010/main" xmlns="" w="9525">
+                <a14:hiddenLine xmlns="" xmlns:a14="http://schemas.microsoft.com/office/drawing/2010/main" w="9525">
                   <a:solidFill>
                     <a:srgbClr val="000000"/>
                   </a:solidFill>
@@ -4094,7 +4103,7 @@
             </a:ln>
             <a:extLst>
               <a:ext uri="{91240B29-F687-4f45-9708-019B960494DF}">
-                <a14:hiddenLine xmlns:a14="http://schemas.microsoft.com/office/drawing/2010/main" xmlns="" w="9525">
+                <a14:hiddenLine xmlns="" xmlns:a14="http://schemas.microsoft.com/office/drawing/2010/main" w="9525">
                   <a:solidFill>
                     <a:srgbClr val="000000"/>
                   </a:solidFill>
@@ -4162,7 +4171,7 @@
             </a:ln>
             <a:extLst>
               <a:ext uri="{91240B29-F687-4f45-9708-019B960494DF}">
-                <a14:hiddenLine xmlns:a14="http://schemas.microsoft.com/office/drawing/2010/main" xmlns="" w="9525">
+                <a14:hiddenLine xmlns="" xmlns:a14="http://schemas.microsoft.com/office/drawing/2010/main" w="9525">
                   <a:solidFill>
                     <a:srgbClr val="000000"/>
                   </a:solidFill>
@@ -4252,7 +4261,7 @@
             </a:ln>
             <a:extLst>
               <a:ext uri="{91240B29-F687-4f45-9708-019B960494DF}">
-                <a14:hiddenLine xmlns:a14="http://schemas.microsoft.com/office/drawing/2010/main" xmlns="" w="9525">
+                <a14:hiddenLine xmlns="" xmlns:a14="http://schemas.microsoft.com/office/drawing/2010/main" w="9525">
                   <a:solidFill>
                     <a:srgbClr val="000000"/>
                   </a:solidFill>
@@ -8981,7 +8990,7 @@
           <a:noFill/>
           <a:extLst>
             <a:ext uri="{909E8E84-426E-40dd-AFC4-6F175D3DCCD1}">
-              <a14:hiddenFill xmlns:a14="http://schemas.microsoft.com/office/drawing/2010/main" xmlns="">
+              <a14:hiddenFill xmlns="" xmlns:a14="http://schemas.microsoft.com/office/drawing/2010/main">
                 <a:solidFill>
                   <a:srgbClr val="FFFFFF"/>
                 </a:solidFill>
@@ -9055,7 +9064,7 @@
               </a:ln>
               <a:extLst>
                 <a:ext uri="{91240B29-F687-4f45-9708-019B960494DF}">
-                  <a14:hiddenLine xmlns:a14="http://schemas.microsoft.com/office/drawing/2010/main" xmlns="" w="9525">
+                  <a14:hiddenLine xmlns="" xmlns:a14="http://schemas.microsoft.com/office/drawing/2010/main" w="9525">
                     <a:solidFill>
                       <a:srgbClr val="000000"/>
                     </a:solidFill>
@@ -9145,7 +9154,7 @@
               </a:ln>
               <a:extLst>
                 <a:ext uri="{91240B29-F687-4f45-9708-019B960494DF}">
-                  <a14:hiddenLine xmlns:a14="http://schemas.microsoft.com/office/drawing/2010/main" xmlns="" w="9525">
+                  <a14:hiddenLine xmlns="" xmlns:a14="http://schemas.microsoft.com/office/drawing/2010/main" w="9525">
                     <a:solidFill>
                       <a:srgbClr val="000000"/>
                     </a:solidFill>
@@ -9235,7 +9244,7 @@
               </a:ln>
               <a:extLst>
                 <a:ext uri="{91240B29-F687-4f45-9708-019B960494DF}">
-                  <a14:hiddenLine xmlns:a14="http://schemas.microsoft.com/office/drawing/2010/main" xmlns="" w="9525">
+                  <a14:hiddenLine xmlns="" xmlns:a14="http://schemas.microsoft.com/office/drawing/2010/main" w="9525">
                     <a:solidFill>
                       <a:srgbClr val="000000"/>
                     </a:solidFill>
@@ -9297,7 +9306,7 @@
               </a:ln>
               <a:extLst>
                 <a:ext uri="{91240B29-F687-4f45-9708-019B960494DF}">
-                  <a14:hiddenLine xmlns:a14="http://schemas.microsoft.com/office/drawing/2010/main" xmlns="" w="9525">
+                  <a14:hiddenLine xmlns="" xmlns:a14="http://schemas.microsoft.com/office/drawing/2010/main" w="9525">
                     <a:solidFill>
                       <a:srgbClr val="000000"/>
                     </a:solidFill>
@@ -9387,7 +9396,7 @@
               </a:ln>
               <a:extLst>
                 <a:ext uri="{91240B29-F687-4f45-9708-019B960494DF}">
-                  <a14:hiddenLine xmlns:a14="http://schemas.microsoft.com/office/drawing/2010/main" xmlns="" w="9525">
+                  <a14:hiddenLine xmlns="" xmlns:a14="http://schemas.microsoft.com/office/drawing/2010/main" w="9525">
                     <a:solidFill>
                       <a:srgbClr val="000000"/>
                     </a:solidFill>
@@ -9449,7 +9458,7 @@
               </a:ln>
               <a:extLst>
                 <a:ext uri="{91240B29-F687-4f45-9708-019B960494DF}">
-                  <a14:hiddenLine xmlns:a14="http://schemas.microsoft.com/office/drawing/2010/main" xmlns="" w="9525">
+                  <a14:hiddenLine xmlns="" xmlns:a14="http://schemas.microsoft.com/office/drawing/2010/main" w="9525">
                     <a:solidFill>
                       <a:srgbClr val="000000"/>
                     </a:solidFill>
@@ -9511,7 +9520,7 @@
               </a:ln>
               <a:extLst>
                 <a:ext uri="{91240B29-F687-4f45-9708-019B960494DF}">
-                  <a14:hiddenLine xmlns:a14="http://schemas.microsoft.com/office/drawing/2010/main" xmlns="" w="9525">
+                  <a14:hiddenLine xmlns="" xmlns:a14="http://schemas.microsoft.com/office/drawing/2010/main" w="9525">
                     <a:solidFill>
                       <a:srgbClr val="000000"/>
                     </a:solidFill>
@@ -9601,7 +9610,7 @@
               </a:ln>
               <a:extLst>
                 <a:ext uri="{91240B29-F687-4f45-9708-019B960494DF}">
-                  <a14:hiddenLine xmlns:a14="http://schemas.microsoft.com/office/drawing/2010/main" xmlns="" w="9525">
+                  <a14:hiddenLine xmlns="" xmlns:a14="http://schemas.microsoft.com/office/drawing/2010/main" w="9525">
                     <a:solidFill>
                       <a:srgbClr val="000000"/>
                     </a:solidFill>
@@ -9691,7 +9700,7 @@
               </a:ln>
               <a:extLst>
                 <a:ext uri="{91240B29-F687-4f45-9708-019B960494DF}">
-                  <a14:hiddenLine xmlns:a14="http://schemas.microsoft.com/office/drawing/2010/main" xmlns="" w="9525">
+                  <a14:hiddenLine xmlns="" xmlns:a14="http://schemas.microsoft.com/office/drawing/2010/main" w="9525">
                     <a:solidFill>
                       <a:srgbClr val="000000"/>
                     </a:solidFill>
@@ -9753,7 +9762,7 @@
               </a:ln>
               <a:extLst>
                 <a:ext uri="{91240B29-F687-4f45-9708-019B960494DF}">
-                  <a14:hiddenLine xmlns:a14="http://schemas.microsoft.com/office/drawing/2010/main" xmlns="" w="9525">
+                  <a14:hiddenLine xmlns="" xmlns:a14="http://schemas.microsoft.com/office/drawing/2010/main" w="9525">
                     <a:solidFill>
                       <a:srgbClr val="000000"/>
                     </a:solidFill>
@@ -9863,7 +9872,7 @@
               </a:ln>
               <a:extLst>
                 <a:ext uri="{91240B29-F687-4f45-9708-019B960494DF}">
-                  <a14:hiddenLine xmlns:a14="http://schemas.microsoft.com/office/drawing/2010/main" xmlns="" w="9525">
+                  <a14:hiddenLine xmlns="" xmlns:a14="http://schemas.microsoft.com/office/drawing/2010/main" w="9525">
                     <a:solidFill>
                       <a:srgbClr val="000000"/>
                     </a:solidFill>
@@ -9947,7 +9956,7 @@
               </a:ln>
               <a:extLst>
                 <a:ext uri="{91240B29-F687-4f45-9708-019B960494DF}">
-                  <a14:hiddenLine xmlns:a14="http://schemas.microsoft.com/office/drawing/2010/main" xmlns="" w="9525">
+                  <a14:hiddenLine xmlns="" xmlns:a14="http://schemas.microsoft.com/office/drawing/2010/main" w="9525">
                     <a:solidFill>
                       <a:srgbClr val="000000"/>
                     </a:solidFill>
@@ -10009,7 +10018,7 @@
               </a:ln>
               <a:extLst>
                 <a:ext uri="{91240B29-F687-4f45-9708-019B960494DF}">
-                  <a14:hiddenLine xmlns:a14="http://schemas.microsoft.com/office/drawing/2010/main" xmlns="" w="9525">
+                  <a14:hiddenLine xmlns="" xmlns:a14="http://schemas.microsoft.com/office/drawing/2010/main" w="9525">
                     <a:solidFill>
                       <a:srgbClr val="000000"/>
                     </a:solidFill>
@@ -10071,7 +10080,7 @@
               </a:ln>
               <a:extLst>
                 <a:ext uri="{91240B29-F687-4f45-9708-019B960494DF}">
-                  <a14:hiddenLine xmlns:a14="http://schemas.microsoft.com/office/drawing/2010/main" xmlns="" w="9525">
+                  <a14:hiddenLine xmlns="" xmlns:a14="http://schemas.microsoft.com/office/drawing/2010/main" w="9525">
                     <a:solidFill>
                       <a:srgbClr val="000000"/>
                     </a:solidFill>
@@ -10161,7 +10170,7 @@
               </a:ln>
               <a:extLst>
                 <a:ext uri="{91240B29-F687-4f45-9708-019B960494DF}">
-                  <a14:hiddenLine xmlns:a14="http://schemas.microsoft.com/office/drawing/2010/main" xmlns="" w="9525">
+                  <a14:hiddenLine xmlns="" xmlns:a14="http://schemas.microsoft.com/office/drawing/2010/main" w="9525">
                     <a:solidFill>
                       <a:srgbClr val="000000"/>
                     </a:solidFill>
@@ -10195,7 +10204,7 @@
               </a:ln>
               <a:extLst>
                 <a:ext uri="{91240B29-F687-4f45-9708-019B960494DF}">
-                  <a14:hiddenLine xmlns:a14="http://schemas.microsoft.com/office/drawing/2010/main" xmlns="" w="9525">
+                  <a14:hiddenLine xmlns="" xmlns:a14="http://schemas.microsoft.com/office/drawing/2010/main" w="9525">
                     <a:solidFill>
                       <a:srgbClr val="000000"/>
                     </a:solidFill>
@@ -10260,7 +10269,7 @@
               </a:ln>
               <a:extLst>
                 <a:ext uri="{91240B29-F687-4f45-9708-019B960494DF}">
-                  <a14:hiddenLine xmlns:a14="http://schemas.microsoft.com/office/drawing/2010/main" xmlns="" w="9525">
+                  <a14:hiddenLine xmlns="" xmlns:a14="http://schemas.microsoft.com/office/drawing/2010/main" w="9525">
                     <a:solidFill>
                       <a:srgbClr val="000000"/>
                     </a:solidFill>
@@ -10350,7 +10359,7 @@
               </a:ln>
               <a:extLst>
                 <a:ext uri="{91240B29-F687-4f45-9708-019B960494DF}">
-                  <a14:hiddenLine xmlns:a14="http://schemas.microsoft.com/office/drawing/2010/main" xmlns="" w="9525">
+                  <a14:hiddenLine xmlns="" xmlns:a14="http://schemas.microsoft.com/office/drawing/2010/main" w="9525">
                     <a:solidFill>
                       <a:srgbClr val="000000"/>
                     </a:solidFill>
@@ -10412,7 +10421,7 @@
               </a:ln>
               <a:extLst>
                 <a:ext uri="{91240B29-F687-4f45-9708-019B960494DF}">
-                  <a14:hiddenLine xmlns:a14="http://schemas.microsoft.com/office/drawing/2010/main" xmlns="" w="9525">
+                  <a14:hiddenLine xmlns="" xmlns:a14="http://schemas.microsoft.com/office/drawing/2010/main" w="9525">
                     <a:solidFill>
                       <a:srgbClr val="000000"/>
                     </a:solidFill>
@@ -10502,7 +10511,7 @@
               </a:ln>
               <a:extLst>
                 <a:ext uri="{91240B29-F687-4f45-9708-019B960494DF}">
-                  <a14:hiddenLine xmlns:a14="http://schemas.microsoft.com/office/drawing/2010/main" xmlns="" w="9525">
+                  <a14:hiddenLine xmlns="" xmlns:a14="http://schemas.microsoft.com/office/drawing/2010/main" w="9525">
                     <a:solidFill>
                       <a:srgbClr val="000000"/>
                     </a:solidFill>
@@ -10567,7 +10576,7 @@
               </a:ln>
               <a:extLst>
                 <a:ext uri="{91240B29-F687-4f45-9708-019B960494DF}">
-                  <a14:hiddenLine xmlns:a14="http://schemas.microsoft.com/office/drawing/2010/main" xmlns="" w="9525">
+                  <a14:hiddenLine xmlns="" xmlns:a14="http://schemas.microsoft.com/office/drawing/2010/main" w="9525">
                     <a:solidFill>
                       <a:srgbClr val="000000"/>
                     </a:solidFill>
@@ -10629,7 +10638,7 @@
               </a:ln>
               <a:extLst>
                 <a:ext uri="{91240B29-F687-4f45-9708-019B960494DF}">
-                  <a14:hiddenLine xmlns:a14="http://schemas.microsoft.com/office/drawing/2010/main" xmlns="" w="9525">
+                  <a14:hiddenLine xmlns="" xmlns:a14="http://schemas.microsoft.com/office/drawing/2010/main" w="9525">
                     <a:solidFill>
                       <a:srgbClr val="000000"/>
                     </a:solidFill>
@@ -10719,7 +10728,7 @@
               </a:ln>
               <a:extLst>
                 <a:ext uri="{91240B29-F687-4f45-9708-019B960494DF}">
-                  <a14:hiddenLine xmlns:a14="http://schemas.microsoft.com/office/drawing/2010/main" xmlns="" w="9525">
+                  <a14:hiddenLine xmlns="" xmlns:a14="http://schemas.microsoft.com/office/drawing/2010/main" w="9525">
                     <a:solidFill>
                       <a:srgbClr val="000000"/>
                     </a:solidFill>
@@ -10809,7 +10818,7 @@
               </a:ln>
               <a:extLst>
                 <a:ext uri="{91240B29-F687-4f45-9708-019B960494DF}">
-                  <a14:hiddenLine xmlns:a14="http://schemas.microsoft.com/office/drawing/2010/main" xmlns="" w="9525">
+                  <a14:hiddenLine xmlns="" xmlns:a14="http://schemas.microsoft.com/office/drawing/2010/main" w="9525">
                     <a:solidFill>
                       <a:srgbClr val="000000"/>
                     </a:solidFill>
@@ -10874,7 +10883,7 @@
               </a:ln>
               <a:extLst>
                 <a:ext uri="{91240B29-F687-4f45-9708-019B960494DF}">
-                  <a14:hiddenLine xmlns:a14="http://schemas.microsoft.com/office/drawing/2010/main" xmlns="" w="9525">
+                  <a14:hiddenLine xmlns="" xmlns:a14="http://schemas.microsoft.com/office/drawing/2010/main" w="9525">
                     <a:solidFill>
                       <a:srgbClr val="000000"/>
                     </a:solidFill>
@@ -10994,7 +11003,7 @@
               </a:ln>
               <a:extLst>
                 <a:ext uri="{91240B29-F687-4f45-9708-019B960494DF}">
-                  <a14:hiddenLine xmlns:a14="http://schemas.microsoft.com/office/drawing/2010/main" xmlns="" w="9525">
+                  <a14:hiddenLine xmlns="" xmlns:a14="http://schemas.microsoft.com/office/drawing/2010/main" w="9525">
                     <a:solidFill>
                       <a:srgbClr val="000000"/>
                     </a:solidFill>
@@ -11075,7 +11084,7 @@
               </a:ln>
               <a:extLst>
                 <a:ext uri="{91240B29-F687-4f45-9708-019B960494DF}">
-                  <a14:hiddenLine xmlns:a14="http://schemas.microsoft.com/office/drawing/2010/main" xmlns="" w="9525">
+                  <a14:hiddenLine xmlns="" xmlns:a14="http://schemas.microsoft.com/office/drawing/2010/main" w="9525">
                     <a:solidFill>
                       <a:srgbClr val="000000"/>
                     </a:solidFill>
@@ -11190,7 +11199,7 @@
               </a:ln>
               <a:extLst>
                 <a:ext uri="{91240B29-F687-4f45-9708-019B960494DF}">
-                  <a14:hiddenLine xmlns:a14="http://schemas.microsoft.com/office/drawing/2010/main" xmlns="" w="9525">
+                  <a14:hiddenLine xmlns="" xmlns:a14="http://schemas.microsoft.com/office/drawing/2010/main" w="9525">
                     <a:solidFill>
                       <a:srgbClr val="000000"/>
                     </a:solidFill>
@@ -11280,7 +11289,7 @@
               </a:ln>
               <a:extLst>
                 <a:ext uri="{91240B29-F687-4f45-9708-019B960494DF}">
-                  <a14:hiddenLine xmlns:a14="http://schemas.microsoft.com/office/drawing/2010/main" xmlns="" w="9525">
+                  <a14:hiddenLine xmlns="" xmlns:a14="http://schemas.microsoft.com/office/drawing/2010/main" w="9525">
                     <a:solidFill>
                       <a:srgbClr val="000000"/>
                     </a:solidFill>
@@ -11345,7 +11354,7 @@
               </a:ln>
               <a:extLst>
                 <a:ext uri="{91240B29-F687-4f45-9708-019B960494DF}">
-                  <a14:hiddenLine xmlns:a14="http://schemas.microsoft.com/office/drawing/2010/main" xmlns="" w="9525">
+                  <a14:hiddenLine xmlns="" xmlns:a14="http://schemas.microsoft.com/office/drawing/2010/main" w="9525">
                     <a:solidFill>
                       <a:srgbClr val="000000"/>
                     </a:solidFill>
@@ -11435,7 +11444,7 @@
               </a:ln>
               <a:extLst>
                 <a:ext uri="{91240B29-F687-4f45-9708-019B960494DF}">
-                  <a14:hiddenLine xmlns:a14="http://schemas.microsoft.com/office/drawing/2010/main" xmlns="" w="9525">
+                  <a14:hiddenLine xmlns="" xmlns:a14="http://schemas.microsoft.com/office/drawing/2010/main" w="9525">
                     <a:solidFill>
                       <a:srgbClr val="000000"/>
                     </a:solidFill>
@@ -11503,7 +11512,7 @@
               </a:ln>
               <a:extLst>
                 <a:ext uri="{91240B29-F687-4f45-9708-019B960494DF}">
-                  <a14:hiddenLine xmlns:a14="http://schemas.microsoft.com/office/drawing/2010/main" xmlns="" w="9525">
+                  <a14:hiddenLine xmlns="" xmlns:a14="http://schemas.microsoft.com/office/drawing/2010/main" w="9525">
                     <a:solidFill>
                       <a:srgbClr val="000000"/>
                     </a:solidFill>
@@ -11593,7 +11602,7 @@
               </a:ln>
               <a:extLst>
                 <a:ext uri="{91240B29-F687-4f45-9708-019B960494DF}">
-                  <a14:hiddenLine xmlns:a14="http://schemas.microsoft.com/office/drawing/2010/main" xmlns="" w="9525">
+                  <a14:hiddenLine xmlns="" xmlns:a14="http://schemas.microsoft.com/office/drawing/2010/main" w="9525">
                     <a:solidFill>
                       <a:srgbClr val="000000"/>
                     </a:solidFill>
@@ -11661,7 +11670,7 @@
               </a:ln>
               <a:extLst>
                 <a:ext uri="{91240B29-F687-4f45-9708-019B960494DF}">
-                  <a14:hiddenLine xmlns:a14="http://schemas.microsoft.com/office/drawing/2010/main" xmlns="" w="9525">
+                  <a14:hiddenLine xmlns="" xmlns:a14="http://schemas.microsoft.com/office/drawing/2010/main" w="9525">
                     <a:solidFill>
                       <a:srgbClr val="000000"/>
                     </a:solidFill>
@@ -11751,7 +11760,7 @@
               </a:ln>
               <a:extLst>
                 <a:ext uri="{91240B29-F687-4f45-9708-019B960494DF}">
-                  <a14:hiddenLine xmlns:a14="http://schemas.microsoft.com/office/drawing/2010/main" xmlns="" w="9525">
+                  <a14:hiddenLine xmlns="" xmlns:a14="http://schemas.microsoft.com/office/drawing/2010/main" w="9525">
                     <a:solidFill>
                       <a:srgbClr val="000000"/>
                     </a:solidFill>
@@ -11785,7 +11794,7 @@
               </a:ln>
               <a:extLst>
                 <a:ext uri="{91240B29-F687-4f45-9708-019B960494DF}">
-                  <a14:hiddenLine xmlns:a14="http://schemas.microsoft.com/office/drawing/2010/main" xmlns="" w="9525">
+                  <a14:hiddenLine xmlns="" xmlns:a14="http://schemas.microsoft.com/office/drawing/2010/main" w="9525">
                     <a:solidFill>
                       <a:srgbClr val="000000"/>
                     </a:solidFill>
@@ -12495,6 +12504,10 @@
               <a:rPr lang="pt-BR" sz="3100" dirty="0"/>
               <a:t>quisição</a:t>
             </a:r>
+            <a:r>
+              <a:rPr lang="pt-BR" dirty="0"/>
+              <a:t/>
+            </a:r>
             <a:br>
               <a:rPr lang="pt-BR" dirty="0"/>
             </a:br>
@@ -12517,6 +12530,10 @@
               <a:rPr lang="pt-BR" sz="3100" dirty="0"/>
               <a:t>eb Server</a:t>
             </a:r>
+            <a:r>
+              <a:rPr lang="pt-BR" dirty="0"/>
+              <a:t/>
+            </a:r>
             <a:br>
               <a:rPr lang="pt-BR" dirty="0"/>
             </a:br>
@@ -12535,6 +12552,10 @@
             <a:r>
               <a:rPr lang="pt-BR" sz="3100" dirty="0"/>
               <a:t>suário</a:t>
+            </a:r>
+            <a:r>
+              <a:rPr lang="pt-BR" sz="2800" dirty="0"/>
+              <a:t/>
             </a:r>
             <a:br>
               <a:rPr lang="pt-BR" sz="2800" dirty="0"/>
@@ -12617,15 +12638,31 @@
               <a:rPr lang="pt-BR" sz="2800" dirty="0"/>
               <a:t>quisição</a:t>
             </a:r>
+            <a:r>
+              <a:rPr lang="pt-BR" sz="3100" dirty="0"/>
+              <a:t/>
+            </a:r>
             <a:br>
               <a:rPr lang="pt-BR" sz="3100" dirty="0"/>
             </a:br>
+            <a:r>
+              <a:rPr lang="pt-BR" sz="3100" dirty="0"/>
+              <a:t/>
+            </a:r>
             <a:br>
               <a:rPr lang="pt-BR" sz="3100" dirty="0"/>
             </a:br>
+            <a:r>
+              <a:rPr lang="pt-BR" sz="3100" dirty="0"/>
+              <a:t/>
+            </a:r>
             <a:br>
               <a:rPr lang="pt-BR" sz="3100" dirty="0"/>
             </a:br>
+            <a:r>
+              <a:rPr lang="pt-BR" dirty="0"/>
+              <a:t/>
+            </a:r>
             <a:br>
               <a:rPr lang="pt-BR" dirty="0"/>
             </a:br>
@@ -12648,15 +12685,31 @@
               <a:rPr lang="pt-BR" sz="2800" dirty="0"/>
               <a:t>eb Server</a:t>
             </a:r>
+            <a:r>
+              <a:rPr lang="pt-BR" sz="3100" dirty="0"/>
+              <a:t/>
+            </a:r>
             <a:br>
               <a:rPr lang="pt-BR" sz="3100" dirty="0"/>
             </a:br>
+            <a:r>
+              <a:rPr lang="pt-BR" sz="3100" dirty="0"/>
+              <a:t/>
+            </a:r>
             <a:br>
               <a:rPr lang="pt-BR" sz="3100" dirty="0"/>
             </a:br>
+            <a:r>
+              <a:rPr lang="pt-BR" sz="3100" dirty="0"/>
+              <a:t/>
+            </a:r>
             <a:br>
               <a:rPr lang="pt-BR" sz="3100" dirty="0"/>
             </a:br>
+            <a:r>
+              <a:rPr lang="pt-BR" dirty="0"/>
+              <a:t/>
+            </a:r>
             <a:br>
               <a:rPr lang="pt-BR" dirty="0"/>
             </a:br>
@@ -13729,6 +13782,508 @@
 </p:sld>
 </file>
 
+<file path=ppt/slides/slide5.xml><?xml version="1.0" encoding="utf-8"?>
+<p:sld xmlns:a="http://schemas.openxmlformats.org/drawingml/2006/main" xmlns:r="http://schemas.openxmlformats.org/officeDocument/2006/relationships" xmlns:p="http://schemas.openxmlformats.org/presentationml/2006/main">
+  <p:cSld>
+    <p:spTree>
+      <p:nvGrpSpPr>
+        <p:cNvPr id="1" name=""/>
+        <p:cNvGrpSpPr/>
+        <p:nvPr/>
+      </p:nvGrpSpPr>
+      <p:grpSpPr>
+        <a:xfrm>
+          <a:off x="0" y="0"/>
+          <a:ext cx="0" cy="0"/>
+          <a:chOff x="0" y="0"/>
+          <a:chExt cx="0" cy="0"/>
+        </a:xfrm>
+      </p:grpSpPr>
+      <p:sp>
+        <p:nvSpPr>
+          <p:cNvPr id="2" name="Título 1">
+            <a:extLst>
+              <a:ext uri="{FF2B5EF4-FFF2-40B4-BE49-F238E27FC236}">
+                <a16:creationId xmlns:a16="http://schemas.microsoft.com/office/drawing/2014/main" id="{C3424E20-5E53-4A57-A57B-B3E531CC74AF}"/>
+              </a:ext>
+            </a:extLst>
+          </p:cNvPr>
+          <p:cNvSpPr>
+            <a:spLocks noGrp="1"/>
+          </p:cNvSpPr>
+          <p:nvPr>
+            <p:ph type="ctrTitle"/>
+          </p:nvPr>
+        </p:nvSpPr>
+        <p:spPr>
+          <a:xfrm>
+            <a:off x="1700213" y="0"/>
+            <a:ext cx="8791575" cy="6857999"/>
+          </a:xfrm>
+        </p:spPr>
+        <p:txBody>
+          <a:bodyPr anchor="t">
+            <a:normAutofit/>
+          </a:bodyPr>
+          <a:lstStyle/>
+          <a:p>
+            <a:pPr algn="ctr"/>
+            <a:r>
+              <a:rPr lang="pt-BR" dirty="0"/>
+              <a:t>MLX V1</a:t>
+            </a:r>
+          </a:p>
+        </p:txBody>
+      </p:sp>
+      <p:pic>
+        <p:nvPicPr>
+          <p:cNvPr id="10" name="Imagem 9">
+            <a:extLst>
+              <a:ext uri="{FF2B5EF4-FFF2-40B4-BE49-F238E27FC236}">
+                <a16:creationId xmlns:a16="http://schemas.microsoft.com/office/drawing/2014/main" id="{DE2010FC-05D3-49D5-A971-64FD843C05B0}"/>
+              </a:ext>
+            </a:extLst>
+          </p:cNvPr>
+          <p:cNvPicPr>
+            <a:picLocks noChangeAspect="1"/>
+          </p:cNvPicPr>
+          <p:nvPr/>
+        </p:nvPicPr>
+        <p:blipFill>
+          <a:blip r:embed="rId2"/>
+          <a:stretch>
+            <a:fillRect/>
+          </a:stretch>
+        </p:blipFill>
+        <p:spPr>
+          <a:xfrm>
+            <a:off x="2237664" y="1018318"/>
+            <a:ext cx="1440000" cy="1440000"/>
+          </a:xfrm>
+          <a:prstGeom prst="rect">
+            <a:avLst/>
+          </a:prstGeom>
+        </p:spPr>
+      </p:pic>
+      <p:pic>
+        <p:nvPicPr>
+          <p:cNvPr id="3" name="Imagem 2"/>
+          <p:cNvPicPr>
+            <a:picLocks noChangeAspect="1"/>
+          </p:cNvPicPr>
+          <p:nvPr/>
+        </p:nvPicPr>
+        <p:blipFill>
+          <a:blip r:embed="rId3">
+            <a:extLst>
+              <a:ext uri="{28A0092B-C50C-407E-A947-70E740481C1C}">
+                <a14:useLocalDpi xmlns:a14="http://schemas.microsoft.com/office/drawing/2010/main" val="0"/>
+              </a:ext>
+            </a:extLst>
+          </a:blip>
+          <a:stretch>
+            <a:fillRect/>
+          </a:stretch>
+        </p:blipFill>
+        <p:spPr>
+          <a:xfrm>
+            <a:off x="4026215" y="1018318"/>
+            <a:ext cx="7821847" cy="5547945"/>
+          </a:xfrm>
+          <a:prstGeom prst="rect">
+            <a:avLst/>
+          </a:prstGeom>
+        </p:spPr>
+      </p:pic>
+    </p:spTree>
+    <p:extLst>
+      <p:ext uri="{BB962C8B-B14F-4D97-AF65-F5344CB8AC3E}">
+        <p14:creationId xmlns:p14="http://schemas.microsoft.com/office/powerpoint/2010/main" val="1897165770"/>
+      </p:ext>
+    </p:extLst>
+  </p:cSld>
+  <p:clrMapOvr>
+    <a:masterClrMapping/>
+  </p:clrMapOvr>
+  <p:timing>
+    <p:tnLst>
+      <p:par>
+        <p:cTn id="1" dur="indefinite" restart="never" nodeType="tmRoot"/>
+      </p:par>
+    </p:tnLst>
+  </p:timing>
+</p:sld>
+</file>
+
+<file path=ppt/slides/slide6.xml><?xml version="1.0" encoding="utf-8"?>
+<p:sld xmlns:a="http://schemas.openxmlformats.org/drawingml/2006/main" xmlns:r="http://schemas.openxmlformats.org/officeDocument/2006/relationships" xmlns:p="http://schemas.openxmlformats.org/presentationml/2006/main">
+  <p:cSld>
+    <p:spTree>
+      <p:nvGrpSpPr>
+        <p:cNvPr id="1" name=""/>
+        <p:cNvGrpSpPr/>
+        <p:nvPr/>
+      </p:nvGrpSpPr>
+      <p:grpSpPr>
+        <a:xfrm>
+          <a:off x="0" y="0"/>
+          <a:ext cx="0" cy="0"/>
+          <a:chOff x="0" y="0"/>
+          <a:chExt cx="0" cy="0"/>
+        </a:xfrm>
+      </p:grpSpPr>
+      <p:sp>
+        <p:nvSpPr>
+          <p:cNvPr id="2" name="Título 1">
+            <a:extLst>
+              <a:ext uri="{FF2B5EF4-FFF2-40B4-BE49-F238E27FC236}">
+                <a16:creationId xmlns:a16="http://schemas.microsoft.com/office/drawing/2014/main" id="{C3424E20-5E53-4A57-A57B-B3E531CC74AF}"/>
+              </a:ext>
+            </a:extLst>
+          </p:cNvPr>
+          <p:cNvSpPr>
+            <a:spLocks noGrp="1"/>
+          </p:cNvSpPr>
+          <p:nvPr>
+            <p:ph type="ctrTitle"/>
+          </p:nvPr>
+        </p:nvSpPr>
+        <p:spPr>
+          <a:xfrm>
+            <a:off x="1700213" y="0"/>
+            <a:ext cx="8791575" cy="6857999"/>
+          </a:xfrm>
+        </p:spPr>
+        <p:txBody>
+          <a:bodyPr anchor="t">
+            <a:normAutofit/>
+          </a:bodyPr>
+          <a:lstStyle/>
+          <a:p>
+            <a:pPr algn="ctr"/>
+            <a:r>
+              <a:rPr lang="pt-BR" dirty="0"/>
+              <a:t>MLX V1</a:t>
+            </a:r>
+          </a:p>
+        </p:txBody>
+      </p:sp>
+      <p:pic>
+        <p:nvPicPr>
+          <p:cNvPr id="5" name="Imagem 4">
+            <a:extLst>
+              <a:ext uri="{FF2B5EF4-FFF2-40B4-BE49-F238E27FC236}">
+                <a16:creationId xmlns:a16="http://schemas.microsoft.com/office/drawing/2014/main" id="{4C9DCE5B-5D2C-4BA5-826E-4849F33FCE1F}"/>
+              </a:ext>
+            </a:extLst>
+          </p:cNvPr>
+          <p:cNvPicPr>
+            <a:picLocks noChangeAspect="1"/>
+          </p:cNvPicPr>
+          <p:nvPr/>
+        </p:nvPicPr>
+        <p:blipFill>
+          <a:blip r:embed="rId2"/>
+          <a:stretch>
+            <a:fillRect/>
+          </a:stretch>
+        </p:blipFill>
+        <p:spPr>
+          <a:xfrm>
+            <a:off x="2237664" y="1027027"/>
+            <a:ext cx="1440000" cy="1440000"/>
+          </a:xfrm>
+          <a:prstGeom prst="rect">
+            <a:avLst/>
+          </a:prstGeom>
+        </p:spPr>
+      </p:pic>
+      <p:pic>
+        <p:nvPicPr>
+          <p:cNvPr id="4" name="Imagem 3"/>
+          <p:cNvPicPr>
+            <a:picLocks noChangeAspect="1"/>
+          </p:cNvPicPr>
+          <p:nvPr/>
+        </p:nvPicPr>
+        <p:blipFill>
+          <a:blip r:embed="rId3">
+            <a:extLst>
+              <a:ext uri="{28A0092B-C50C-407E-A947-70E740481C1C}">
+                <a14:useLocalDpi xmlns:a14="http://schemas.microsoft.com/office/drawing/2010/main" val="0"/>
+              </a:ext>
+            </a:extLst>
+          </a:blip>
+          <a:stretch>
+            <a:fillRect/>
+          </a:stretch>
+        </p:blipFill>
+        <p:spPr>
+          <a:xfrm>
+            <a:off x="3995769" y="1027027"/>
+            <a:ext cx="5921253" cy="5601185"/>
+          </a:xfrm>
+          <a:prstGeom prst="rect">
+            <a:avLst/>
+          </a:prstGeom>
+        </p:spPr>
+      </p:pic>
+    </p:spTree>
+    <p:extLst>
+      <p:ext uri="{BB962C8B-B14F-4D97-AF65-F5344CB8AC3E}">
+        <p14:creationId xmlns:p14="http://schemas.microsoft.com/office/powerpoint/2010/main" val="2915968441"/>
+      </p:ext>
+    </p:extLst>
+  </p:cSld>
+  <p:clrMapOvr>
+    <a:masterClrMapping/>
+  </p:clrMapOvr>
+  <p:timing>
+    <p:tnLst>
+      <p:par>
+        <p:cTn id="1" dur="indefinite" restart="never" nodeType="tmRoot"/>
+      </p:par>
+    </p:tnLst>
+  </p:timing>
+</p:sld>
+</file>
+
+<file path=ppt/slides/slide7.xml><?xml version="1.0" encoding="utf-8"?>
+<p:sld xmlns:a="http://schemas.openxmlformats.org/drawingml/2006/main" xmlns:r="http://schemas.openxmlformats.org/officeDocument/2006/relationships" xmlns:p="http://schemas.openxmlformats.org/presentationml/2006/main">
+  <p:cSld>
+    <p:spTree>
+      <p:nvGrpSpPr>
+        <p:cNvPr id="1" name=""/>
+        <p:cNvGrpSpPr/>
+        <p:nvPr/>
+      </p:nvGrpSpPr>
+      <p:grpSpPr>
+        <a:xfrm>
+          <a:off x="0" y="0"/>
+          <a:ext cx="0" cy="0"/>
+          <a:chOff x="0" y="0"/>
+          <a:chExt cx="0" cy="0"/>
+        </a:xfrm>
+      </p:grpSpPr>
+      <p:sp>
+        <p:nvSpPr>
+          <p:cNvPr id="2" name="Título 1">
+            <a:extLst>
+              <a:ext uri="{FF2B5EF4-FFF2-40B4-BE49-F238E27FC236}">
+                <a16:creationId xmlns:a16="http://schemas.microsoft.com/office/drawing/2014/main" id="{C3424E20-5E53-4A57-A57B-B3E531CC74AF}"/>
+              </a:ext>
+            </a:extLst>
+          </p:cNvPr>
+          <p:cNvSpPr>
+            <a:spLocks noGrp="1"/>
+          </p:cNvSpPr>
+          <p:nvPr>
+            <p:ph type="ctrTitle"/>
+          </p:nvPr>
+        </p:nvSpPr>
+        <p:spPr>
+          <a:xfrm>
+            <a:off x="1700213" y="0"/>
+            <a:ext cx="8791575" cy="6857999"/>
+          </a:xfrm>
+        </p:spPr>
+        <p:txBody>
+          <a:bodyPr anchor="t">
+            <a:normAutofit/>
+          </a:bodyPr>
+          <a:lstStyle/>
+          <a:p>
+            <a:pPr algn="ctr"/>
+            <a:r>
+              <a:rPr lang="pt-BR" dirty="0"/>
+              <a:t>MLX V1</a:t>
+            </a:r>
+          </a:p>
+        </p:txBody>
+      </p:sp>
+      <p:pic>
+        <p:nvPicPr>
+          <p:cNvPr id="6" name="Imagem 5">
+            <a:extLst>
+              <a:ext uri="{FF2B5EF4-FFF2-40B4-BE49-F238E27FC236}">
+                <a16:creationId xmlns:a16="http://schemas.microsoft.com/office/drawing/2014/main" id="{115BE519-060F-4E04-BC48-F5080DBCDE61}"/>
+              </a:ext>
+            </a:extLst>
+          </p:cNvPr>
+          <p:cNvPicPr>
+            <a:picLocks noChangeAspect="1"/>
+          </p:cNvPicPr>
+          <p:nvPr/>
+        </p:nvPicPr>
+        <p:blipFill>
+          <a:blip r:embed="rId2"/>
+          <a:stretch>
+            <a:fillRect/>
+          </a:stretch>
+        </p:blipFill>
+        <p:spPr>
+          <a:xfrm>
+            <a:off x="2265233" y="1027027"/>
+            <a:ext cx="1384862" cy="2880000"/>
+          </a:xfrm>
+          <a:prstGeom prst="rect">
+            <a:avLst/>
+          </a:prstGeom>
+        </p:spPr>
+      </p:pic>
+      <p:pic>
+        <p:nvPicPr>
+          <p:cNvPr id="3" name="Imagem 2"/>
+          <p:cNvPicPr>
+            <a:picLocks noChangeAspect="1"/>
+          </p:cNvPicPr>
+          <p:nvPr/>
+        </p:nvPicPr>
+        <p:blipFill>
+          <a:blip r:embed="rId3">
+            <a:extLst>
+              <a:ext uri="{28A0092B-C50C-407E-A947-70E740481C1C}">
+                <a14:useLocalDpi xmlns:a14="http://schemas.microsoft.com/office/drawing/2010/main" val="0"/>
+              </a:ext>
+            </a:extLst>
+          </a:blip>
+          <a:stretch>
+            <a:fillRect/>
+          </a:stretch>
+        </p:blipFill>
+        <p:spPr>
+          <a:xfrm>
+            <a:off x="3915701" y="1027027"/>
+            <a:ext cx="8201936" cy="3910733"/>
+          </a:xfrm>
+          <a:prstGeom prst="rect">
+            <a:avLst/>
+          </a:prstGeom>
+        </p:spPr>
+      </p:pic>
+    </p:spTree>
+    <p:extLst>
+      <p:ext uri="{BB962C8B-B14F-4D97-AF65-F5344CB8AC3E}">
+        <p14:creationId xmlns:p14="http://schemas.microsoft.com/office/powerpoint/2010/main" val="4241758449"/>
+      </p:ext>
+    </p:extLst>
+  </p:cSld>
+  <p:clrMapOvr>
+    <a:masterClrMapping/>
+  </p:clrMapOvr>
+  <p:timing>
+    <p:tnLst>
+      <p:par>
+        <p:cTn id="1" dur="indefinite" restart="never" nodeType="tmRoot"/>
+      </p:par>
+    </p:tnLst>
+  </p:timing>
+</p:sld>
+</file>
+
+<file path=ppt/slides/slide8.xml><?xml version="1.0" encoding="utf-8"?>
+<p:sld xmlns:a="http://schemas.openxmlformats.org/drawingml/2006/main" xmlns:r="http://schemas.openxmlformats.org/officeDocument/2006/relationships" xmlns:p="http://schemas.openxmlformats.org/presentationml/2006/main">
+  <p:cSld>
+    <p:spTree>
+      <p:nvGrpSpPr>
+        <p:cNvPr id="1" name=""/>
+        <p:cNvGrpSpPr/>
+        <p:nvPr/>
+      </p:nvGrpSpPr>
+      <p:grpSpPr>
+        <a:xfrm>
+          <a:off x="0" y="0"/>
+          <a:ext cx="0" cy="0"/>
+          <a:chOff x="0" y="0"/>
+          <a:chExt cx="0" cy="0"/>
+        </a:xfrm>
+      </p:grpSpPr>
+      <p:sp>
+        <p:nvSpPr>
+          <p:cNvPr id="2" name="Título 1">
+            <a:extLst>
+              <a:ext uri="{FF2B5EF4-FFF2-40B4-BE49-F238E27FC236}">
+                <a16:creationId xmlns:a16="http://schemas.microsoft.com/office/drawing/2014/main" id="{C3424E20-5E53-4A57-A57B-B3E531CC74AF}"/>
+              </a:ext>
+            </a:extLst>
+          </p:cNvPr>
+          <p:cNvSpPr>
+            <a:spLocks noGrp="1"/>
+          </p:cNvSpPr>
+          <p:nvPr>
+            <p:ph type="ctrTitle"/>
+          </p:nvPr>
+        </p:nvSpPr>
+        <p:spPr>
+          <a:xfrm>
+            <a:off x="1700213" y="0"/>
+            <a:ext cx="8791575" cy="6857999"/>
+          </a:xfrm>
+        </p:spPr>
+        <p:txBody>
+          <a:bodyPr anchor="t">
+            <a:normAutofit/>
+          </a:bodyPr>
+          <a:lstStyle/>
+          <a:p>
+            <a:pPr algn="ctr"/>
+            <a:r>
+              <a:rPr lang="pt-BR" dirty="0"/>
+              <a:t>MLX V1</a:t>
+            </a:r>
+          </a:p>
+        </p:txBody>
+      </p:sp>
+      <p:pic>
+        <p:nvPicPr>
+          <p:cNvPr id="6" name="Imagem 5">
+            <a:extLst>
+              <a:ext uri="{FF2B5EF4-FFF2-40B4-BE49-F238E27FC236}">
+                <a16:creationId xmlns:a16="http://schemas.microsoft.com/office/drawing/2014/main" id="{115BE519-060F-4E04-BC48-F5080DBCDE61}"/>
+              </a:ext>
+            </a:extLst>
+          </p:cNvPr>
+          <p:cNvPicPr>
+            <a:picLocks noChangeAspect="1"/>
+          </p:cNvPicPr>
+          <p:nvPr/>
+        </p:nvPicPr>
+        <p:blipFill>
+          <a:blip r:embed="rId2"/>
+          <a:stretch>
+            <a:fillRect/>
+          </a:stretch>
+        </p:blipFill>
+        <p:spPr>
+          <a:xfrm>
+            <a:off x="4674723" y="766353"/>
+            <a:ext cx="2842554" cy="5911459"/>
+          </a:xfrm>
+          <a:prstGeom prst="rect">
+            <a:avLst/>
+          </a:prstGeom>
+        </p:spPr>
+      </p:pic>
+    </p:spTree>
+    <p:extLst>
+      <p:ext uri="{BB962C8B-B14F-4D97-AF65-F5344CB8AC3E}">
+        <p14:creationId xmlns:p14="http://schemas.microsoft.com/office/powerpoint/2010/main" val="1934646099"/>
+      </p:ext>
+    </p:extLst>
+  </p:cSld>
+  <p:clrMapOvr>
+    <a:masterClrMapping/>
+  </p:clrMapOvr>
+  <p:timing>
+    <p:tnLst>
+      <p:par>
+        <p:cTn id="1" dur="indefinite" restart="never" nodeType="tmRoot"/>
+      </p:par>
+    </p:tnLst>
+  </p:timing>
+</p:sld>
+</file>
+
 <file path=ppt/theme/theme1.xml><?xml version="1.0" encoding="utf-8"?>
 <a:theme xmlns:a="http://schemas.openxmlformats.org/drawingml/2006/main" name="Circuito">
   <a:themeElements>
